--- a/HC_DB_Analyses/HC_DB_EIMetrics/EIBalanceDistributions.pptx
+++ b/HC_DB_Analyses/HC_DB_EIMetrics/EIBalanceDistributions.pptx
@@ -208,7 +208,7 @@
           <a:p>
             <a:fld id="{767DAEA1-967D-4ACD-89D4-B5AB51550092}" type="datetimeFigureOut">
               <a:rPr lang="en-US" smtClean="0"/>
-              <a:t>10/21/17</a:t>
+              <a:t>5/13/18</a:t>
             </a:fld>
             <a:endParaRPr lang="en-US"/>
           </a:p>
@@ -746,7 +746,7 @@
           <a:p>
             <a:fld id="{07CFCC3F-9C50-4357-A512-F047B52B42A6}" type="datetimeFigureOut">
               <a:rPr lang="en-US" smtClean="0"/>
-              <a:t>10/21/17</a:t>
+              <a:t>5/13/18</a:t>
             </a:fld>
             <a:endParaRPr lang="en-US"/>
           </a:p>
@@ -916,7 +916,7 @@
           <a:p>
             <a:fld id="{07CFCC3F-9C50-4357-A512-F047B52B42A6}" type="datetimeFigureOut">
               <a:rPr lang="en-US" smtClean="0"/>
-              <a:t>10/21/17</a:t>
+              <a:t>5/13/18</a:t>
             </a:fld>
             <a:endParaRPr lang="en-US"/>
           </a:p>
@@ -1096,7 +1096,7 @@
           <a:p>
             <a:fld id="{07CFCC3F-9C50-4357-A512-F047B52B42A6}" type="datetimeFigureOut">
               <a:rPr lang="en-US" smtClean="0"/>
-              <a:t>10/21/17</a:t>
+              <a:t>5/13/18</a:t>
             </a:fld>
             <a:endParaRPr lang="en-US"/>
           </a:p>
@@ -1266,7 +1266,7 @@
           <a:p>
             <a:fld id="{07CFCC3F-9C50-4357-A512-F047B52B42A6}" type="datetimeFigureOut">
               <a:rPr lang="en-US" smtClean="0"/>
-              <a:t>10/21/17</a:t>
+              <a:t>5/13/18</a:t>
             </a:fld>
             <a:endParaRPr lang="en-US"/>
           </a:p>
@@ -1512,7 +1512,7 @@
           <a:p>
             <a:fld id="{07CFCC3F-9C50-4357-A512-F047B52B42A6}" type="datetimeFigureOut">
               <a:rPr lang="en-US" smtClean="0"/>
-              <a:t>10/21/17</a:t>
+              <a:t>5/13/18</a:t>
             </a:fld>
             <a:endParaRPr lang="en-US"/>
           </a:p>
@@ -1800,7 +1800,7 @@
           <a:p>
             <a:fld id="{07CFCC3F-9C50-4357-A512-F047B52B42A6}" type="datetimeFigureOut">
               <a:rPr lang="en-US" smtClean="0"/>
-              <a:t>10/21/17</a:t>
+              <a:t>5/13/18</a:t>
             </a:fld>
             <a:endParaRPr lang="en-US"/>
           </a:p>
@@ -2227,7 +2227,7 @@
           <a:p>
             <a:fld id="{07CFCC3F-9C50-4357-A512-F047B52B42A6}" type="datetimeFigureOut">
               <a:rPr lang="en-US" smtClean="0"/>
-              <a:t>10/21/17</a:t>
+              <a:t>5/13/18</a:t>
             </a:fld>
             <a:endParaRPr lang="en-US"/>
           </a:p>
@@ -2345,7 +2345,7 @@
           <a:p>
             <a:fld id="{07CFCC3F-9C50-4357-A512-F047B52B42A6}" type="datetimeFigureOut">
               <a:rPr lang="en-US" smtClean="0"/>
-              <a:t>10/21/17</a:t>
+              <a:t>5/13/18</a:t>
             </a:fld>
             <a:endParaRPr lang="en-US"/>
           </a:p>
@@ -2440,7 +2440,7 @@
           <a:p>
             <a:fld id="{07CFCC3F-9C50-4357-A512-F047B52B42A6}" type="datetimeFigureOut">
               <a:rPr lang="en-US" smtClean="0"/>
-              <a:t>10/21/17</a:t>
+              <a:t>5/13/18</a:t>
             </a:fld>
             <a:endParaRPr lang="en-US"/>
           </a:p>
@@ -2717,7 +2717,7 @@
           <a:p>
             <a:fld id="{07CFCC3F-9C50-4357-A512-F047B52B42A6}" type="datetimeFigureOut">
               <a:rPr lang="en-US" smtClean="0"/>
-              <a:t>10/21/17</a:t>
+              <a:t>5/13/18</a:t>
             </a:fld>
             <a:endParaRPr lang="en-US"/>
           </a:p>
@@ -2970,7 +2970,7 @@
           <a:p>
             <a:fld id="{07CFCC3F-9C50-4357-A512-F047B52B42A6}" type="datetimeFigureOut">
               <a:rPr lang="en-US" smtClean="0"/>
-              <a:t>10/21/17</a:t>
+              <a:t>5/13/18</a:t>
             </a:fld>
             <a:endParaRPr lang="en-US"/>
           </a:p>
@@ -3183,7 +3183,7 @@
           <a:p>
             <a:fld id="{07CFCC3F-9C50-4357-A512-F047B52B42A6}" type="datetimeFigureOut">
               <a:rPr lang="en-US" smtClean="0"/>
-              <a:t>10/21/17</a:t>
+              <a:t>5/13/18</a:t>
             </a:fld>
             <a:endParaRPr lang="en-US"/>
           </a:p>
@@ -3558,69 +3558,9 @@
           <a:chExt cx="0" cy="0"/>
         </a:xfrm>
       </p:grpSpPr>
-      <p:sp>
-        <p:nvSpPr>
-          <p:cNvPr id="3" name="TextBox 2"/>
-          <p:cNvSpPr txBox="1"/>
-          <p:nvPr/>
-        </p:nvSpPr>
-        <p:spPr>
-          <a:xfrm>
-            <a:off x="2704306" y="-27878"/>
-            <a:ext cx="2310697" cy="846386"/>
-          </a:xfrm>
-          <a:prstGeom prst="rect">
-            <a:avLst/>
-          </a:prstGeom>
-          <a:noFill/>
-        </p:spPr>
-        <p:txBody>
-          <a:bodyPr wrap="none" rtlCol="0">
-            <a:spAutoFit/>
-          </a:bodyPr>
-          <a:lstStyle/>
-          <a:p>
-            <a:r>
-              <a:rPr lang="en-US" dirty="0" smtClean="0"/>
-              <a:t>SDprox1</a:t>
-            </a:r>
-            <a:endParaRPr lang="en-US" dirty="0"/>
-          </a:p>
-        </p:txBody>
-      </p:sp>
-      <p:sp>
-        <p:nvSpPr>
-          <p:cNvPr id="13" name="TextBox 12"/>
-          <p:cNvSpPr txBox="1"/>
-          <p:nvPr/>
-        </p:nvSpPr>
-        <p:spPr>
-          <a:xfrm>
-            <a:off x="9488100" y="-84387"/>
-            <a:ext cx="2310697" cy="846386"/>
-          </a:xfrm>
-          <a:prstGeom prst="rect">
-            <a:avLst/>
-          </a:prstGeom>
-          <a:noFill/>
-        </p:spPr>
-        <p:txBody>
-          <a:bodyPr wrap="none" rtlCol="0">
-            <a:spAutoFit/>
-          </a:bodyPr>
-          <a:lstStyle/>
-          <a:p>
-            <a:r>
-              <a:rPr lang="en-US" smtClean="0"/>
-              <a:t>SDprox2</a:t>
-            </a:r>
-            <a:endParaRPr lang="en-US"/>
-          </a:p>
-        </p:txBody>
-      </p:sp>
       <p:pic>
         <p:nvPicPr>
-          <p:cNvPr id="4" name="Picture 3"/>
+          <p:cNvPr id="19" name="Picture 18"/>
           <p:cNvPicPr>
             <a:picLocks noChangeAspect="1"/>
           </p:cNvPicPr>
@@ -3640,8 +3580,8 @@
         </p:blipFill>
         <p:spPr>
           <a:xfrm>
-            <a:off x="189706" y="762000"/>
-            <a:ext cx="6781800" cy="4981623"/>
+            <a:off x="7185274" y="5743622"/>
+            <a:ext cx="6781595" cy="5083308"/>
           </a:xfrm>
           <a:prstGeom prst="rect">
             <a:avLst/>
@@ -3650,7 +3590,7 @@
       </p:pic>
       <p:pic>
         <p:nvPicPr>
-          <p:cNvPr id="5" name="Picture 4"/>
+          <p:cNvPr id="16" name="Picture 15"/>
           <p:cNvPicPr>
             <a:picLocks noChangeAspect="1"/>
           </p:cNvPicPr>
@@ -3670,17 +3610,47 @@
         </p:blipFill>
         <p:spPr>
           <a:xfrm>
-            <a:off x="189706" y="5743624"/>
-            <a:ext cx="6781800" cy="5083462"/>
+            <a:off x="7200033" y="761946"/>
+            <a:ext cx="6781872" cy="4981676"/>
           </a:xfrm>
           <a:prstGeom prst="rect">
             <a:avLst/>
           </a:prstGeom>
         </p:spPr>
       </p:pic>
+      <p:sp>
+        <p:nvSpPr>
+          <p:cNvPr id="3" name="TextBox 2"/>
+          <p:cNvSpPr txBox="1"/>
+          <p:nvPr/>
+        </p:nvSpPr>
+        <p:spPr>
+          <a:xfrm>
+            <a:off x="2704306" y="-27878"/>
+            <a:ext cx="2310697" cy="846386"/>
+          </a:xfrm>
+          <a:prstGeom prst="rect">
+            <a:avLst/>
+          </a:prstGeom>
+          <a:noFill/>
+        </p:spPr>
+        <p:txBody>
+          <a:bodyPr wrap="none" rtlCol="0">
+            <a:spAutoFit/>
+          </a:bodyPr>
+          <a:lstStyle/>
+          <a:p>
+            <a:r>
+              <a:rPr lang="en-US" dirty="0" smtClean="0"/>
+              <a:t>SDprox1</a:t>
+            </a:r>
+            <a:endParaRPr lang="en-US" dirty="0"/>
+          </a:p>
+        </p:txBody>
+      </p:sp>
       <p:pic>
         <p:nvPicPr>
-          <p:cNvPr id="6" name="Picture 5"/>
+          <p:cNvPr id="2" name="Picture 1"/>
           <p:cNvPicPr>
             <a:picLocks noChangeAspect="1"/>
           </p:cNvPicPr>
@@ -3700,8 +3670,8 @@
         </p:blipFill>
         <p:spPr>
           <a:xfrm>
-            <a:off x="7200106" y="761999"/>
-            <a:ext cx="6781800" cy="4981623"/>
+            <a:off x="189706" y="761999"/>
+            <a:ext cx="6781801" cy="4981623"/>
           </a:xfrm>
           <a:prstGeom prst="rect">
             <a:avLst/>
@@ -3710,7 +3680,7 @@
       </p:pic>
       <p:pic>
         <p:nvPicPr>
-          <p:cNvPr id="7" name="Picture 6"/>
+          <p:cNvPr id="12" name="Picture 11"/>
           <p:cNvPicPr>
             <a:picLocks noChangeAspect="1"/>
           </p:cNvPicPr>
@@ -3730,14 +3700,44 @@
         </p:blipFill>
         <p:spPr>
           <a:xfrm>
-            <a:off x="7200240" y="5743622"/>
-            <a:ext cx="6781665" cy="5083360"/>
+            <a:off x="189705" y="5743622"/>
+            <a:ext cx="6781595" cy="5083308"/>
           </a:xfrm>
           <a:prstGeom prst="rect">
             <a:avLst/>
           </a:prstGeom>
         </p:spPr>
       </p:pic>
+      <p:sp>
+        <p:nvSpPr>
+          <p:cNvPr id="13" name="TextBox 12"/>
+          <p:cNvSpPr txBox="1"/>
+          <p:nvPr/>
+        </p:nvSpPr>
+        <p:spPr>
+          <a:xfrm>
+            <a:off x="9488100" y="-84387"/>
+            <a:ext cx="2310697" cy="846386"/>
+          </a:xfrm>
+          <a:prstGeom prst="rect">
+            <a:avLst/>
+          </a:prstGeom>
+          <a:noFill/>
+        </p:spPr>
+        <p:txBody>
+          <a:bodyPr wrap="none" rtlCol="0">
+            <a:spAutoFit/>
+          </a:bodyPr>
+          <a:lstStyle/>
+          <a:p>
+            <a:r>
+              <a:rPr lang="en-US" smtClean="0"/>
+              <a:t>SDprox2</a:t>
+            </a:r>
+            <a:endParaRPr lang="en-US"/>
+          </a:p>
+        </p:txBody>
+      </p:sp>
       <p:sp>
         <p:nvSpPr>
           <p:cNvPr id="8" name="Rectangle 7"/>
@@ -3930,6 +3930,150 @@
           </a:p>
         </p:txBody>
       </p:sp>
+      <p:cxnSp>
+        <p:nvCxnSpPr>
+          <p:cNvPr id="14" name="Straight Connector 13"/>
+          <p:cNvCxnSpPr/>
+          <p:nvPr/>
+        </p:nvCxnSpPr>
+        <p:spPr>
+          <a:xfrm>
+            <a:off x="10857706" y="990600"/>
+            <a:ext cx="39494" cy="4054199"/>
+          </a:xfrm>
+          <a:prstGeom prst="line">
+            <a:avLst/>
+          </a:prstGeom>
+          <a:ln w="38100">
+            <a:solidFill>
+              <a:srgbClr val="FF0000"/>
+            </a:solidFill>
+            <a:prstDash val="dash"/>
+          </a:ln>
+        </p:spPr>
+        <p:style>
+          <a:lnRef idx="1">
+            <a:schemeClr val="accent1"/>
+          </a:lnRef>
+          <a:fillRef idx="0">
+            <a:schemeClr val="accent1"/>
+          </a:fillRef>
+          <a:effectRef idx="0">
+            <a:schemeClr val="accent1"/>
+          </a:effectRef>
+          <a:fontRef idx="minor">
+            <a:schemeClr val="tx1"/>
+          </a:fontRef>
+        </p:style>
+      </p:cxnSp>
+      <p:cxnSp>
+        <p:nvCxnSpPr>
+          <p:cNvPr id="15" name="Straight Connector 14"/>
+          <p:cNvCxnSpPr/>
+          <p:nvPr/>
+        </p:nvCxnSpPr>
+        <p:spPr>
+          <a:xfrm>
+            <a:off x="10933906" y="5943600"/>
+            <a:ext cx="39494" cy="4206599"/>
+          </a:xfrm>
+          <a:prstGeom prst="line">
+            <a:avLst/>
+          </a:prstGeom>
+          <a:ln w="38100">
+            <a:solidFill>
+              <a:srgbClr val="FF0000"/>
+            </a:solidFill>
+            <a:prstDash val="dash"/>
+          </a:ln>
+        </p:spPr>
+        <p:style>
+          <a:lnRef idx="1">
+            <a:schemeClr val="accent1"/>
+          </a:lnRef>
+          <a:fillRef idx="0">
+            <a:schemeClr val="accent1"/>
+          </a:fillRef>
+          <a:effectRef idx="0">
+            <a:schemeClr val="accent1"/>
+          </a:effectRef>
+          <a:fontRef idx="minor">
+            <a:schemeClr val="tx1"/>
+          </a:fontRef>
+        </p:style>
+      </p:cxnSp>
+      <p:cxnSp>
+        <p:nvCxnSpPr>
+          <p:cNvPr id="17" name="Straight Connector 16"/>
+          <p:cNvCxnSpPr/>
+          <p:nvPr/>
+        </p:nvCxnSpPr>
+        <p:spPr>
+          <a:xfrm>
+            <a:off x="3918284" y="5943600"/>
+            <a:ext cx="39494" cy="4206599"/>
+          </a:xfrm>
+          <a:prstGeom prst="line">
+            <a:avLst/>
+          </a:prstGeom>
+          <a:ln w="38100">
+            <a:solidFill>
+              <a:srgbClr val="FF0000"/>
+            </a:solidFill>
+            <a:prstDash val="dash"/>
+          </a:ln>
+        </p:spPr>
+        <p:style>
+          <a:lnRef idx="1">
+            <a:schemeClr val="accent1"/>
+          </a:lnRef>
+          <a:fillRef idx="0">
+            <a:schemeClr val="accent1"/>
+          </a:fillRef>
+          <a:effectRef idx="0">
+            <a:schemeClr val="accent1"/>
+          </a:effectRef>
+          <a:fontRef idx="minor">
+            <a:schemeClr val="tx1"/>
+          </a:fontRef>
+        </p:style>
+      </p:cxnSp>
+      <p:cxnSp>
+        <p:nvCxnSpPr>
+          <p:cNvPr id="18" name="Straight Connector 17"/>
+          <p:cNvCxnSpPr/>
+          <p:nvPr/>
+        </p:nvCxnSpPr>
+        <p:spPr>
+          <a:xfrm>
+            <a:off x="3881263" y="990600"/>
+            <a:ext cx="42243" cy="4054199"/>
+          </a:xfrm>
+          <a:prstGeom prst="line">
+            <a:avLst/>
+          </a:prstGeom>
+          <a:ln w="38100">
+            <a:solidFill>
+              <a:srgbClr val="FF0000"/>
+            </a:solidFill>
+            <a:prstDash val="dash"/>
+          </a:ln>
+        </p:spPr>
+        <p:style>
+          <a:lnRef idx="1">
+            <a:schemeClr val="accent1"/>
+          </a:lnRef>
+          <a:fillRef idx="0">
+            <a:schemeClr val="accent1"/>
+          </a:fillRef>
+          <a:effectRef idx="0">
+            <a:schemeClr val="accent1"/>
+          </a:effectRef>
+          <a:fontRef idx="minor">
+            <a:schemeClr val="tx1"/>
+          </a:fontRef>
+        </p:style>
+      </p:cxnSp>
     </p:spTree>
     <p:extLst>
       <p:ext uri="{BB962C8B-B14F-4D97-AF65-F5344CB8AC3E}">
